--- a/系统仿真-3-操作基础.pptx
+++ b/系统仿真-3-操作基础.pptx
@@ -5,10 +5,10 @@
     <p:sldMasterId id="2147483648" r:id="rId11"/>
   </p:sldMasterIdLst>
   <p:notesMasterIdLst>
-    <p:notesMasterId r:id="rId41"/>
+    <p:notesMasterId r:id="rId33"/>
   </p:notesMasterIdLst>
   <p:handoutMasterIdLst>
-    <p:handoutMasterId r:id="rId42"/>
+    <p:handoutMasterId r:id="rId34"/>
   </p:handoutMasterIdLst>
   <p:sldIdLst>
     <p:sldId id="256" r:id="rId12"/>
@@ -32,14 +32,6 @@
     <p:sldId id="305" r:id="rId30"/>
     <p:sldId id="306" r:id="rId31"/>
     <p:sldId id="307" r:id="rId32"/>
-    <p:sldId id="309" r:id="rId33"/>
-    <p:sldId id="308" r:id="rId34"/>
-    <p:sldId id="310" r:id="rId35"/>
-    <p:sldId id="311" r:id="rId36"/>
-    <p:sldId id="312" r:id="rId37"/>
-    <p:sldId id="313" r:id="rId38"/>
-    <p:sldId id="314" r:id="rId39"/>
-    <p:sldId id="315" r:id="rId40"/>
   </p:sldIdLst>
   <p:sldSz cx="12188825" cy="6858000"/>
   <p:notesSz cx="6858000" cy="9144000"/>
@@ -266,7 +258,7 @@
                 <a:latin typeface="微软雅黑" panose="020B0503020204020204" pitchFamily="34" charset="-122"/>
                 <a:ea typeface="微软雅黑" panose="020B0503020204020204" pitchFamily="34" charset="-122"/>
               </a:rPr>
-              <a:t>2019年3月7日</a:t>
+              <a:t>2019年3月12日</a:t>
             </a:fld>
             <a:endParaRPr lang="zh-CN" altLang="en-US" dirty="0">
               <a:latin typeface="微软雅黑" panose="020B0503020204020204" pitchFamily="34" charset="-122"/>
@@ -458,7 +450,7 @@
             <a:fld id="{07D6BDDC-F39A-4E16-93D6-E40B88AA6D58}" type="datetime2">
               <a:rPr lang="zh-CN" altLang="en-US" smtClean="0"/>
               <a:pPr/>
-              <a:t>2019年3月7日</a:t>
+              <a:t>2019年3月12日</a:t>
             </a:fld>
             <a:endParaRPr lang="zh-CN" altLang="en-US" dirty="0"/>
           </a:p>
@@ -1776,7 +1768,7 @@
             <a:fld id="{4947C3F0-2957-4D41-9FB7-182757A04D67}" type="datetime2">
               <a:rPr lang="zh-CN" altLang="en-US" smtClean="0"/>
               <a:pPr/>
-              <a:t>2019年3月7日</a:t>
+              <a:t>2019年3月12日</a:t>
             </a:fld>
             <a:endParaRPr lang="zh-CN" altLang="en-US" dirty="0"/>
           </a:p>
@@ -2009,7 +2001,7 @@
             <a:fld id="{8DF8E148-EC1F-43A2-8C9E-1F57F6D08A76}" type="datetime2">
               <a:rPr lang="zh-CN" altLang="en-US" smtClean="0"/>
               <a:pPr/>
-              <a:t>2019年3月7日</a:t>
+              <a:t>2019年3月12日</a:t>
             </a:fld>
             <a:endParaRPr lang="zh-CN" altLang="en-US" dirty="0"/>
           </a:p>
@@ -2892,7 +2884,7 @@
             <a:fld id="{FB7B4C11-1E14-4887-9E78-A9346EC068F1}" type="datetime2">
               <a:rPr lang="zh-CN" altLang="en-US" smtClean="0"/>
               <a:pPr/>
-              <a:t>2019年3月7日</a:t>
+              <a:t>2019年3月12日</a:t>
             </a:fld>
             <a:endParaRPr lang="zh-CN" altLang="en-US" dirty="0"/>
           </a:p>
@@ -3151,7 +3143,7 @@
             <a:fld id="{86FD5D46-E987-42B2-B42C-B8920598FADE}" type="datetime2">
               <a:rPr lang="zh-CN" altLang="en-US" smtClean="0"/>
               <a:pPr/>
-              <a:t>2019年3月7日</a:t>
+              <a:t>2019年3月12日</a:t>
             </a:fld>
             <a:endParaRPr lang="zh-CN" altLang="en-US" dirty="0"/>
           </a:p>
@@ -4485,7 +4477,7 @@
             <a:fld id="{8365F240-A7EF-41C8-A85B-C448CF84B5E5}" type="datetime2">
               <a:rPr lang="zh-CN" altLang="en-US" smtClean="0"/>
               <a:pPr/>
-              <a:t>2019年3月7日</a:t>
+              <a:t>2019年3月12日</a:t>
             </a:fld>
             <a:endParaRPr lang="zh-CN" altLang="en-US" dirty="0"/>
           </a:p>
@@ -4820,7 +4812,7 @@
             <a:fld id="{F770B30E-8728-44DB-AEE3-E4A75AEDBBD9}" type="datetime2">
               <a:rPr lang="zh-CN" altLang="en-US" smtClean="0"/>
               <a:pPr/>
-              <a:t>2019年3月7日</a:t>
+              <a:t>2019年3月12日</a:t>
             </a:fld>
             <a:endParaRPr lang="zh-CN" altLang="en-US" dirty="0"/>
           </a:p>
@@ -5321,7 +5313,7 @@
             <a:fld id="{680BCF82-A51A-4389-A573-378AD02C5141}" type="datetime2">
               <a:rPr lang="zh-CN" altLang="en-US" smtClean="0"/>
               <a:pPr/>
-              <a:t>2019年3月7日</a:t>
+              <a:t>2019年3月12日</a:t>
             </a:fld>
             <a:endParaRPr lang="zh-CN" altLang="en-US" dirty="0"/>
           </a:p>
@@ -5476,7 +5468,7 @@
             <a:fld id="{CE03A716-E3DC-4D9D-823C-60FCD8C9B163}" type="datetime2">
               <a:rPr lang="zh-CN" altLang="en-US" smtClean="0"/>
               <a:pPr/>
-              <a:t>2019年3月7日</a:t>
+              <a:t>2019年3月12日</a:t>
             </a:fld>
             <a:endParaRPr lang="zh-CN" altLang="en-US" dirty="0"/>
           </a:p>
@@ -5836,7 +5828,7 @@
             <a:fld id="{C16B8A94-44E5-4844-A22C-F796FCAA90D9}" type="datetime2">
               <a:rPr lang="zh-CN" altLang="en-US" smtClean="0"/>
               <a:pPr/>
-              <a:t>2019年3月7日</a:t>
+              <a:t>2019年3月12日</a:t>
             </a:fld>
             <a:endParaRPr lang="zh-CN" altLang="en-US" dirty="0"/>
           </a:p>
@@ -6378,7 +6370,7 @@
             <a:fld id="{F288B2AC-AC0A-4E49-82A3-94EE74FA7FBF}" type="datetime2">
               <a:rPr lang="zh-CN" altLang="en-US" smtClean="0"/>
               <a:pPr/>
-              <a:t>2019年3月7日</a:t>
+              <a:t>2019年3月12日</a:t>
             </a:fld>
             <a:endParaRPr lang="zh-CN" altLang="en-US" dirty="0"/>
           </a:p>
@@ -6871,7 +6863,7 @@
             <a:fld id="{1878E339-1BD2-4FEE-A113-9A0301740CF6}" type="datetime2">
               <a:rPr lang="zh-CN" altLang="en-US" smtClean="0"/>
               <a:pPr/>
-              <a:t>2019年3月7日</a:t>
+              <a:t>2019年3月12日</a:t>
             </a:fld>
             <a:endParaRPr lang="zh-CN" altLang="en-US" dirty="0"/>
           </a:p>
@@ -7795,7 +7787,7 @@
             <a:fld id="{A339CB27-C670-4AAB-948C-7E3D1D9FAE30}" type="datetime2">
               <a:rPr lang="zh-CN" altLang="en-US" smtClean="0"/>
               <a:pPr/>
-              <a:t>2019年3月7日</a:t>
+              <a:t>2019年3月12日</a:t>
             </a:fld>
             <a:endParaRPr lang="zh-CN" altLang="en-US" dirty="0"/>
           </a:p>
@@ -8290,7 +8282,28 @@
                 <a:latin typeface="Arial" panose="020B0604020202020204" pitchFamily="34" charset="0"/>
                 <a:sym typeface="Arial" panose="020B0604020202020204" pitchFamily="34" charset="0"/>
               </a:rPr>
-              <a:t>第二节 仿真软件操作基础</a:t>
+              <a:t>第</a:t>
+            </a:r>
+            <a:r>
+              <a:rPr lang="zh-CN" altLang="en-US" sz="2400" dirty="0">
+                <a:latin typeface="Arial" panose="020B0604020202020204" pitchFamily="34" charset="0"/>
+                <a:sym typeface="Arial" panose="020B0604020202020204" pitchFamily="34" charset="0"/>
+              </a:rPr>
+              <a:t>三</a:t>
+            </a:r>
+            <a:r>
+              <a:rPr lang="zh-CN" altLang="en-US" sz="2400" dirty="0" smtClean="0">
+                <a:latin typeface="Arial" panose="020B0604020202020204" pitchFamily="34" charset="0"/>
+                <a:sym typeface="Arial" panose="020B0604020202020204" pitchFamily="34" charset="0"/>
+              </a:rPr>
+              <a:t>节 </a:t>
+            </a:r>
+            <a:r>
+              <a:rPr lang="zh-CN" altLang="en-US" sz="2400" dirty="0" smtClean="0">
+                <a:latin typeface="Arial" panose="020B0604020202020204" pitchFamily="34" charset="0"/>
+                <a:sym typeface="Arial" panose="020B0604020202020204" pitchFamily="34" charset="0"/>
+              </a:rPr>
+              <a:t>仿真软件操作基础</a:t>
             </a:r>
             <a:endParaRPr lang="zh-CN" altLang="en-US" sz="2400" dirty="0">
               <a:latin typeface="Arial" panose="020B0604020202020204" pitchFamily="34" charset="0"/>
@@ -9512,11 +9525,7 @@
           <a:p>
             <a:r>
               <a:rPr lang="zh-CN" altLang="en-US" dirty="0" smtClean="0"/>
-              <a:t>练习：系统仿真</a:t>
-            </a:r>
-            <a:r>
-              <a:rPr lang="zh-CN" altLang="en-US" dirty="0" smtClean="0"/>
-              <a:t>模型</a:t>
+              <a:t>练习：系统仿真模型</a:t>
             </a:r>
             <a:endParaRPr lang="zh-CN" altLang="en-US" dirty="0"/>
           </a:p>
@@ -11775,1786 +11784,6 @@
     <p:extLst>
       <p:ext uri="{BB962C8B-B14F-4D97-AF65-F5344CB8AC3E}">
         <p14:creationId xmlns:p14="http://schemas.microsoft.com/office/powerpoint/2010/main" val="2870553912"/>
-      </p:ext>
-    </p:extLst>
-  </p:cSld>
-  <p:clrMapOvr>
-    <a:masterClrMapping/>
-  </p:clrMapOvr>
-  <mc:AlternateContent xmlns:mc="http://schemas.openxmlformats.org/markup-compatibility/2006" xmlns:p14="http://schemas.microsoft.com/office/powerpoint/2010/main">
-    <mc:Choice Requires="p14">
-      <p:transition spd="med" p14:dur="700">
-        <p:fade/>
-      </p:transition>
-    </mc:Choice>
-    <mc:Fallback xmlns="">
-      <p:transition spd="med">
-        <p:fade/>
-      </p:transition>
-    </mc:Fallback>
-  </mc:AlternateContent>
-  <p:timing>
-    <p:tnLst>
-      <p:par>
-        <p:cTn id="1" dur="indefinite" restart="never" nodeType="tmRoot"/>
-      </p:par>
-    </p:tnLst>
-  </p:timing>
-</p:sld>
-</file>
-
-<file path=ppt/slides/slide22.xml><?xml version="1.0" encoding="utf-8"?>
-<p:sld xmlns:a="http://schemas.openxmlformats.org/drawingml/2006/main" xmlns:r="http://schemas.openxmlformats.org/officeDocument/2006/relationships" xmlns:p="http://schemas.openxmlformats.org/presentationml/2006/main">
-  <p:cSld>
-    <p:spTree>
-      <p:nvGrpSpPr>
-        <p:cNvPr id="1" name=""/>
-        <p:cNvGrpSpPr/>
-        <p:nvPr/>
-      </p:nvGrpSpPr>
-      <p:grpSpPr>
-        <a:xfrm>
-          <a:off x="0" y="0"/>
-          <a:ext cx="0" cy="0"/>
-          <a:chOff x="0" y="0"/>
-          <a:chExt cx="0" cy="0"/>
-        </a:xfrm>
-      </p:grpSpPr>
-      <p:sp>
-        <p:nvSpPr>
-          <p:cNvPr id="2" name="标题 1"/>
-          <p:cNvSpPr>
-            <a:spLocks noGrp="1"/>
-          </p:cNvSpPr>
-          <p:nvPr>
-            <p:ph type="title"/>
-          </p:nvPr>
-        </p:nvSpPr>
-        <p:spPr/>
-        <p:txBody>
-          <a:bodyPr/>
-          <a:lstStyle/>
-          <a:p>
-            <a:r>
-              <a:rPr lang="zh-CN" altLang="en-US" smtClean="0"/>
-              <a:t>逻辑函数</a:t>
-            </a:r>
-            <a:endParaRPr lang="zh-CN" altLang="en-US"/>
-          </a:p>
-        </p:txBody>
-      </p:sp>
-      <p:sp>
-        <p:nvSpPr>
-          <p:cNvPr id="3" name="内容占位符 2"/>
-          <p:cNvSpPr>
-            <a:spLocks noGrp="1"/>
-          </p:cNvSpPr>
-          <p:nvPr>
-            <p:ph idx="1"/>
-          </p:nvPr>
-        </p:nvSpPr>
-        <p:spPr/>
-        <p:txBody>
-          <a:bodyPr/>
-          <a:lstStyle/>
-          <a:p>
-            <a:r>
-              <a:rPr lang="zh-CN" altLang="en-US" dirty="0" smtClean="0"/>
-              <a:t>逻辑函数是仿真中常用</a:t>
-            </a:r>
-            <a:r>
-              <a:rPr lang="zh-CN" altLang="en-US" dirty="0" smtClean="0"/>
-              <a:t>功能</a:t>
-            </a:r>
-            <a:r>
-              <a:rPr lang="zh-CN" altLang="en-US" dirty="0" smtClean="0"/>
-              <a:t>，其功能是判断条件后决定取值</a:t>
-            </a:r>
-            <a:endParaRPr lang="zh-CN" altLang="en-US" dirty="0"/>
-          </a:p>
-        </p:txBody>
-      </p:sp>
-      <p:sp>
-        <p:nvSpPr>
-          <p:cNvPr id="4" name="文本框 3"/>
-          <p:cNvSpPr txBox="1"/>
-          <p:nvPr/>
-        </p:nvSpPr>
-        <p:spPr>
-          <a:xfrm>
-            <a:off x="1593436" y="2708920"/>
-            <a:ext cx="4366836" cy="646331"/>
-          </a:xfrm>
-          <a:prstGeom prst="rect">
-            <a:avLst/>
-          </a:prstGeom>
-          <a:noFill/>
-        </p:spPr>
-        <p:txBody>
-          <a:bodyPr wrap="none" rtlCol="0">
-            <a:spAutoFit/>
-          </a:bodyPr>
-          <a:lstStyle/>
-          <a:p>
-            <a:r>
-              <a:rPr lang="zh-CN" altLang="en-US" smtClean="0"/>
-              <a:t>基本格式：</a:t>
-            </a:r>
-            <a:endParaRPr lang="en-US" altLang="zh-CN" smtClean="0"/>
-          </a:p>
-          <a:p>
-            <a:r>
-              <a:rPr lang="en-US" altLang="zh-CN" smtClean="0"/>
-              <a:t>IF THEN ELSE( </a:t>
-            </a:r>
-            <a:r>
-              <a:rPr lang="zh-CN" altLang="en-US" smtClean="0"/>
-              <a:t>判断条件，变量</a:t>
-            </a:r>
-            <a:r>
-              <a:rPr lang="en-US" altLang="zh-CN" smtClean="0"/>
-              <a:t>1</a:t>
-            </a:r>
-            <a:r>
-              <a:rPr lang="zh-CN" altLang="en-US" smtClean="0"/>
-              <a:t>，变量</a:t>
-            </a:r>
-            <a:r>
-              <a:rPr lang="en-US" altLang="zh-CN" smtClean="0"/>
-              <a:t>2)</a:t>
-            </a:r>
-            <a:endParaRPr lang="zh-CN" altLang="en-US"/>
-          </a:p>
-        </p:txBody>
-      </p:sp>
-      <p:cxnSp>
-        <p:nvCxnSpPr>
-          <p:cNvPr id="6" name="直接箭头连接符 5"/>
-          <p:cNvCxnSpPr/>
-          <p:nvPr/>
-        </p:nvCxnSpPr>
-        <p:spPr>
-          <a:xfrm>
-            <a:off x="5806380" y="4077072"/>
-            <a:ext cx="1008112" cy="0"/>
-          </a:xfrm>
-          <a:prstGeom prst="straightConnector1">
-            <a:avLst/>
-          </a:prstGeom>
-          <a:ln>
-            <a:tailEnd type="triangle"/>
-          </a:ln>
-        </p:spPr>
-        <p:style>
-          <a:lnRef idx="1">
-            <a:schemeClr val="accent1"/>
-          </a:lnRef>
-          <a:fillRef idx="0">
-            <a:schemeClr val="accent1"/>
-          </a:fillRef>
-          <a:effectRef idx="0">
-            <a:schemeClr val="accent1"/>
-          </a:effectRef>
-          <a:fontRef idx="minor">
-            <a:schemeClr val="tx1"/>
-          </a:fontRef>
-        </p:style>
-      </p:cxnSp>
-      <p:sp>
-        <p:nvSpPr>
-          <p:cNvPr id="7" name="流程图: 决策 6"/>
-          <p:cNvSpPr/>
-          <p:nvPr/>
-        </p:nvSpPr>
-        <p:spPr>
-          <a:xfrm>
-            <a:off x="6814492" y="3825044"/>
-            <a:ext cx="1296144" cy="504056"/>
-          </a:xfrm>
-          <a:prstGeom prst="flowChartDecision">
-            <a:avLst/>
-          </a:prstGeom>
-        </p:spPr>
-        <p:style>
-          <a:lnRef idx="2">
-            <a:schemeClr val="accent1">
-              <a:shade val="50000"/>
-            </a:schemeClr>
-          </a:lnRef>
-          <a:fillRef idx="1">
-            <a:schemeClr val="accent1"/>
-          </a:fillRef>
-          <a:effectRef idx="0">
-            <a:schemeClr val="accent1"/>
-          </a:effectRef>
-          <a:fontRef idx="minor">
-            <a:schemeClr val="lt1"/>
-          </a:fontRef>
-        </p:style>
-        <p:txBody>
-          <a:bodyPr rtlCol="0" anchor="ctr"/>
-          <a:lstStyle/>
-          <a:p>
-            <a:pPr algn="ctr"/>
-            <a:r>
-              <a:rPr lang="zh-CN" altLang="en-US" smtClean="0"/>
-              <a:t>条件</a:t>
-            </a:r>
-            <a:endParaRPr lang="zh-CN" altLang="en-US"/>
-          </a:p>
-        </p:txBody>
-      </p:sp>
-      <p:sp>
-        <p:nvSpPr>
-          <p:cNvPr id="8" name="矩形 7"/>
-          <p:cNvSpPr/>
-          <p:nvPr/>
-        </p:nvSpPr>
-        <p:spPr>
-          <a:xfrm>
-            <a:off x="9190756" y="3284984"/>
-            <a:ext cx="936104" cy="432048"/>
-          </a:xfrm>
-          <a:prstGeom prst="rect">
-            <a:avLst/>
-          </a:prstGeom>
-        </p:spPr>
-        <p:style>
-          <a:lnRef idx="2">
-            <a:schemeClr val="accent1">
-              <a:shade val="50000"/>
-            </a:schemeClr>
-          </a:lnRef>
-          <a:fillRef idx="1">
-            <a:schemeClr val="accent1"/>
-          </a:fillRef>
-          <a:effectRef idx="0">
-            <a:schemeClr val="accent1"/>
-          </a:effectRef>
-          <a:fontRef idx="minor">
-            <a:schemeClr val="lt1"/>
-          </a:fontRef>
-        </p:style>
-        <p:txBody>
-          <a:bodyPr rtlCol="0" anchor="ctr"/>
-          <a:lstStyle/>
-          <a:p>
-            <a:pPr algn="ctr"/>
-            <a:r>
-              <a:rPr lang="zh-CN" altLang="en-US" smtClean="0"/>
-              <a:t>变量</a:t>
-            </a:r>
-            <a:r>
-              <a:rPr lang="en-US" altLang="zh-CN" smtClean="0"/>
-              <a:t>1</a:t>
-            </a:r>
-            <a:endParaRPr lang="zh-CN" altLang="en-US"/>
-          </a:p>
-        </p:txBody>
-      </p:sp>
-      <p:sp>
-        <p:nvSpPr>
-          <p:cNvPr id="9" name="矩形 8"/>
-          <p:cNvSpPr/>
-          <p:nvPr/>
-        </p:nvSpPr>
-        <p:spPr>
-          <a:xfrm>
-            <a:off x="9209908" y="4365104"/>
-            <a:ext cx="936104" cy="432048"/>
-          </a:xfrm>
-          <a:prstGeom prst="rect">
-            <a:avLst/>
-          </a:prstGeom>
-        </p:spPr>
-        <p:style>
-          <a:lnRef idx="2">
-            <a:schemeClr val="accent1">
-              <a:shade val="50000"/>
-            </a:schemeClr>
-          </a:lnRef>
-          <a:fillRef idx="1">
-            <a:schemeClr val="accent1"/>
-          </a:fillRef>
-          <a:effectRef idx="0">
-            <a:schemeClr val="accent1"/>
-          </a:effectRef>
-          <a:fontRef idx="minor">
-            <a:schemeClr val="lt1"/>
-          </a:fontRef>
-        </p:style>
-        <p:txBody>
-          <a:bodyPr rtlCol="0" anchor="ctr"/>
-          <a:lstStyle/>
-          <a:p>
-            <a:pPr algn="ctr"/>
-            <a:r>
-              <a:rPr lang="zh-CN" altLang="en-US" smtClean="0"/>
-              <a:t>变量</a:t>
-            </a:r>
-            <a:r>
-              <a:rPr lang="en-US" altLang="zh-CN" smtClean="0"/>
-              <a:t>2</a:t>
-            </a:r>
-            <a:endParaRPr lang="zh-CN" altLang="en-US"/>
-          </a:p>
-        </p:txBody>
-      </p:sp>
-      <p:cxnSp>
-        <p:nvCxnSpPr>
-          <p:cNvPr id="11" name="肘形连接符 10"/>
-          <p:cNvCxnSpPr>
-            <a:stCxn id="7" idx="3"/>
-            <a:endCxn id="8" idx="1"/>
-          </p:cNvCxnSpPr>
-          <p:nvPr/>
-        </p:nvCxnSpPr>
-        <p:spPr>
-          <a:xfrm flipV="1">
-            <a:off x="8110636" y="3501008"/>
-            <a:ext cx="1080120" cy="576064"/>
-          </a:xfrm>
-          <a:prstGeom prst="bentConnector3">
-            <a:avLst/>
-          </a:prstGeom>
-          <a:ln>
-            <a:tailEnd type="triangle"/>
-          </a:ln>
-        </p:spPr>
-        <p:style>
-          <a:lnRef idx="1">
-            <a:schemeClr val="accent1"/>
-          </a:lnRef>
-          <a:fillRef idx="0">
-            <a:schemeClr val="accent1"/>
-          </a:fillRef>
-          <a:effectRef idx="0">
-            <a:schemeClr val="accent1"/>
-          </a:effectRef>
-          <a:fontRef idx="minor">
-            <a:schemeClr val="tx1"/>
-          </a:fontRef>
-        </p:style>
-      </p:cxnSp>
-      <p:cxnSp>
-        <p:nvCxnSpPr>
-          <p:cNvPr id="13" name="肘形连接符 12"/>
-          <p:cNvCxnSpPr>
-            <a:stCxn id="7" idx="3"/>
-            <a:endCxn id="9" idx="1"/>
-          </p:cNvCxnSpPr>
-          <p:nvPr/>
-        </p:nvCxnSpPr>
-        <p:spPr>
-          <a:xfrm>
-            <a:off x="8110636" y="4077072"/>
-            <a:ext cx="1099272" cy="504056"/>
-          </a:xfrm>
-          <a:prstGeom prst="bentConnector3">
-            <a:avLst/>
-          </a:prstGeom>
-          <a:ln>
-            <a:tailEnd type="triangle"/>
-          </a:ln>
-        </p:spPr>
-        <p:style>
-          <a:lnRef idx="1">
-            <a:schemeClr val="accent1"/>
-          </a:lnRef>
-          <a:fillRef idx="0">
-            <a:schemeClr val="accent1"/>
-          </a:fillRef>
-          <a:effectRef idx="0">
-            <a:schemeClr val="accent1"/>
-          </a:effectRef>
-          <a:fontRef idx="minor">
-            <a:schemeClr val="tx1"/>
-          </a:fontRef>
-        </p:style>
-      </p:cxnSp>
-      <p:cxnSp>
-        <p:nvCxnSpPr>
-          <p:cNvPr id="15" name="直接箭头连接符 14"/>
-          <p:cNvCxnSpPr/>
-          <p:nvPr/>
-        </p:nvCxnSpPr>
-        <p:spPr>
-          <a:xfrm>
-            <a:off x="10342884" y="4005064"/>
-            <a:ext cx="792088" cy="0"/>
-          </a:xfrm>
-          <a:prstGeom prst="straightConnector1">
-            <a:avLst/>
-          </a:prstGeom>
-          <a:ln>
-            <a:tailEnd type="triangle"/>
-          </a:ln>
-        </p:spPr>
-        <p:style>
-          <a:lnRef idx="1">
-            <a:schemeClr val="accent1"/>
-          </a:lnRef>
-          <a:fillRef idx="0">
-            <a:schemeClr val="accent1"/>
-          </a:fillRef>
-          <a:effectRef idx="0">
-            <a:schemeClr val="accent1"/>
-          </a:effectRef>
-          <a:fontRef idx="minor">
-            <a:schemeClr val="tx1"/>
-          </a:fontRef>
-        </p:style>
-      </p:cxnSp>
-    </p:spTree>
-    <p:extLst>
-      <p:ext uri="{BB962C8B-B14F-4D97-AF65-F5344CB8AC3E}">
-        <p14:creationId xmlns:p14="http://schemas.microsoft.com/office/powerpoint/2010/main" val="3847685651"/>
-      </p:ext>
-    </p:extLst>
-  </p:cSld>
-  <p:clrMapOvr>
-    <a:masterClrMapping/>
-  </p:clrMapOvr>
-  <mc:AlternateContent xmlns:mc="http://schemas.openxmlformats.org/markup-compatibility/2006" xmlns:p14="http://schemas.microsoft.com/office/powerpoint/2010/main">
-    <mc:Choice Requires="p14">
-      <p:transition spd="med" p14:dur="700">
-        <p:fade/>
-      </p:transition>
-    </mc:Choice>
-    <mc:Fallback xmlns="">
-      <p:transition spd="med">
-        <p:fade/>
-      </p:transition>
-    </mc:Fallback>
-  </mc:AlternateContent>
-  <p:timing>
-    <p:tnLst>
-      <p:par>
-        <p:cTn id="1" dur="indefinite" restart="never" nodeType="tmRoot"/>
-      </p:par>
-    </p:tnLst>
-  </p:timing>
-</p:sld>
-</file>
-
-<file path=ppt/slides/slide23.xml><?xml version="1.0" encoding="utf-8"?>
-<p:sld xmlns:a="http://schemas.openxmlformats.org/drawingml/2006/main" xmlns:r="http://schemas.openxmlformats.org/officeDocument/2006/relationships" xmlns:p="http://schemas.openxmlformats.org/presentationml/2006/main">
-  <p:cSld>
-    <p:spTree>
-      <p:nvGrpSpPr>
-        <p:cNvPr id="1" name=""/>
-        <p:cNvGrpSpPr/>
-        <p:nvPr/>
-      </p:nvGrpSpPr>
-      <p:grpSpPr>
-        <a:xfrm>
-          <a:off x="0" y="0"/>
-          <a:ext cx="0" cy="0"/>
-          <a:chOff x="0" y="0"/>
-          <a:chExt cx="0" cy="0"/>
-        </a:xfrm>
-      </p:grpSpPr>
-      <p:sp>
-        <p:nvSpPr>
-          <p:cNvPr id="2" name="标题 1"/>
-          <p:cNvSpPr>
-            <a:spLocks noGrp="1"/>
-          </p:cNvSpPr>
-          <p:nvPr>
-            <p:ph type="title"/>
-          </p:nvPr>
-        </p:nvSpPr>
-        <p:spPr/>
-        <p:txBody>
-          <a:bodyPr/>
-          <a:lstStyle/>
-          <a:p>
-            <a:r>
-              <a:rPr lang="zh-CN" altLang="en-US" smtClean="0"/>
-              <a:t>比较函数</a:t>
-            </a:r>
-            <a:endParaRPr lang="zh-CN" altLang="en-US"/>
-          </a:p>
-        </p:txBody>
-      </p:sp>
-      <p:sp>
-        <p:nvSpPr>
-          <p:cNvPr id="3" name="内容占位符 2"/>
-          <p:cNvSpPr>
-            <a:spLocks noGrp="1"/>
-          </p:cNvSpPr>
-          <p:nvPr>
-            <p:ph idx="1"/>
-          </p:nvPr>
-        </p:nvSpPr>
-        <p:spPr/>
-        <p:txBody>
-          <a:bodyPr/>
-          <a:lstStyle/>
-          <a:p>
-            <a:r>
-              <a:rPr lang="zh-CN" altLang="en-US" smtClean="0"/>
-              <a:t>比较函数可以起到二选一的作用</a:t>
-            </a:r>
-            <a:endParaRPr lang="zh-CN" altLang="en-US"/>
-          </a:p>
-        </p:txBody>
-      </p:sp>
-      <p:sp>
-        <p:nvSpPr>
-          <p:cNvPr id="4" name="文本框 3"/>
-          <p:cNvSpPr txBox="1"/>
-          <p:nvPr/>
-        </p:nvSpPr>
-        <p:spPr>
-          <a:xfrm>
-            <a:off x="1773932" y="2297616"/>
-            <a:ext cx="2262158" cy="923330"/>
-          </a:xfrm>
-          <a:prstGeom prst="rect">
-            <a:avLst/>
-          </a:prstGeom>
-          <a:noFill/>
-        </p:spPr>
-        <p:txBody>
-          <a:bodyPr wrap="none" rtlCol="0">
-            <a:spAutoFit/>
-          </a:bodyPr>
-          <a:lstStyle/>
-          <a:p>
-            <a:r>
-              <a:rPr lang="zh-CN" altLang="en-US" smtClean="0"/>
-              <a:t>常见的比较大小函数</a:t>
-            </a:r>
-            <a:endParaRPr lang="en-US" altLang="zh-CN" smtClean="0"/>
-          </a:p>
-          <a:p>
-            <a:r>
-              <a:rPr lang="en-US" altLang="zh-CN" smtClean="0"/>
-              <a:t>max(p,q)</a:t>
-            </a:r>
-          </a:p>
-          <a:p>
-            <a:r>
-              <a:rPr lang="en-US" altLang="zh-CN" smtClean="0"/>
-              <a:t>min(p,q)</a:t>
-            </a:r>
-            <a:endParaRPr lang="zh-CN" altLang="en-US"/>
-          </a:p>
-        </p:txBody>
-      </p:sp>
-      <p:pic>
-        <p:nvPicPr>
-          <p:cNvPr id="5" name="图片 4"/>
-          <p:cNvPicPr>
-            <a:picLocks noChangeAspect="1"/>
-          </p:cNvPicPr>
-          <p:nvPr/>
-        </p:nvPicPr>
-        <p:blipFill>
-          <a:blip r:embed="rId2"/>
-          <a:stretch>
-            <a:fillRect/>
-          </a:stretch>
-        </p:blipFill>
-        <p:spPr>
-          <a:xfrm>
-            <a:off x="6742484" y="3860320"/>
-            <a:ext cx="4944564" cy="2699122"/>
-          </a:xfrm>
-          <a:prstGeom prst="rect">
-            <a:avLst/>
-          </a:prstGeom>
-        </p:spPr>
-      </p:pic>
-      <p:sp>
-        <p:nvSpPr>
-          <p:cNvPr id="6" name="文本框 5"/>
-          <p:cNvSpPr txBox="1"/>
-          <p:nvPr/>
-        </p:nvSpPr>
-        <p:spPr>
-          <a:xfrm>
-            <a:off x="7390556" y="2297616"/>
-            <a:ext cx="3427541" cy="1200329"/>
-          </a:xfrm>
-          <a:prstGeom prst="rect">
-            <a:avLst/>
-          </a:prstGeom>
-          <a:noFill/>
-        </p:spPr>
-        <p:txBody>
-          <a:bodyPr wrap="none" rtlCol="0">
-            <a:spAutoFit/>
-          </a:bodyPr>
-          <a:lstStyle/>
-          <a:p>
-            <a:r>
-              <a:rPr lang="zh-CN" altLang="en-US" smtClean="0"/>
-              <a:t>案例中的表达式设置</a:t>
-            </a:r>
-            <a:endParaRPr lang="en-US" altLang="zh-CN" smtClean="0"/>
-          </a:p>
-          <a:p>
-            <a:r>
-              <a:rPr lang="en-US" altLang="zh-CN" smtClean="0"/>
-              <a:t>stock=INTEG(inflow,20)</a:t>
-            </a:r>
-          </a:p>
-          <a:p>
-            <a:r>
-              <a:rPr lang="en-US" altLang="zh-CN" smtClean="0"/>
-              <a:t>inflow=max(cos(0.2*Time),test)</a:t>
-            </a:r>
-          </a:p>
-          <a:p>
-            <a:r>
-              <a:rPr lang="en-US" altLang="zh-CN" smtClean="0"/>
-              <a:t>test=sin(0.2*Time)</a:t>
-            </a:r>
-            <a:endParaRPr lang="zh-CN" altLang="en-US"/>
-          </a:p>
-        </p:txBody>
-      </p:sp>
-    </p:spTree>
-    <p:extLst>
-      <p:ext uri="{BB962C8B-B14F-4D97-AF65-F5344CB8AC3E}">
-        <p14:creationId xmlns:p14="http://schemas.microsoft.com/office/powerpoint/2010/main" val="3182185690"/>
-      </p:ext>
-    </p:extLst>
-  </p:cSld>
-  <p:clrMapOvr>
-    <a:masterClrMapping/>
-  </p:clrMapOvr>
-  <mc:AlternateContent xmlns:mc="http://schemas.openxmlformats.org/markup-compatibility/2006" xmlns:p14="http://schemas.microsoft.com/office/powerpoint/2010/main">
-    <mc:Choice Requires="p14">
-      <p:transition spd="med" p14:dur="700">
-        <p:fade/>
-      </p:transition>
-    </mc:Choice>
-    <mc:Fallback xmlns="">
-      <p:transition spd="med">
-        <p:fade/>
-      </p:transition>
-    </mc:Fallback>
-  </mc:AlternateContent>
-  <p:timing>
-    <p:tnLst>
-      <p:par>
-        <p:cTn id="1" dur="indefinite" restart="never" nodeType="tmRoot"/>
-      </p:par>
-    </p:tnLst>
-  </p:timing>
-</p:sld>
-</file>
-
-<file path=ppt/slides/slide24.xml><?xml version="1.0" encoding="utf-8"?>
-<p:sld xmlns:a="http://schemas.openxmlformats.org/drawingml/2006/main" xmlns:r="http://schemas.openxmlformats.org/officeDocument/2006/relationships" xmlns:p="http://schemas.openxmlformats.org/presentationml/2006/main">
-  <p:cSld>
-    <p:spTree>
-      <p:nvGrpSpPr>
-        <p:cNvPr id="1" name=""/>
-        <p:cNvGrpSpPr/>
-        <p:nvPr/>
-      </p:nvGrpSpPr>
-      <p:grpSpPr>
-        <a:xfrm>
-          <a:off x="0" y="0"/>
-          <a:ext cx="0" cy="0"/>
-          <a:chOff x="0" y="0"/>
-          <a:chExt cx="0" cy="0"/>
-        </a:xfrm>
-      </p:grpSpPr>
-      <p:sp>
-        <p:nvSpPr>
-          <p:cNvPr id="2" name="标题 1"/>
-          <p:cNvSpPr>
-            <a:spLocks noGrp="1"/>
-          </p:cNvSpPr>
-          <p:nvPr>
-            <p:ph type="title"/>
-          </p:nvPr>
-        </p:nvSpPr>
-        <p:spPr/>
-        <p:txBody>
-          <a:bodyPr/>
-          <a:lstStyle/>
-          <a:p>
-            <a:r>
-              <a:rPr lang="zh-CN" altLang="en-US" dirty="0"/>
-              <a:t>练习</a:t>
-            </a:r>
-            <a:r>
-              <a:rPr lang="zh-CN" altLang="en-US" dirty="0" smtClean="0"/>
-              <a:t>案例</a:t>
-            </a:r>
-            <a:endParaRPr lang="zh-CN" altLang="en-US" dirty="0"/>
-          </a:p>
-        </p:txBody>
-      </p:sp>
-      <p:sp>
-        <p:nvSpPr>
-          <p:cNvPr id="3" name="内容占位符 2"/>
-          <p:cNvSpPr>
-            <a:spLocks noGrp="1"/>
-          </p:cNvSpPr>
-          <p:nvPr>
-            <p:ph idx="1"/>
-          </p:nvPr>
-        </p:nvSpPr>
-        <p:spPr>
-          <a:xfrm>
-            <a:off x="1593437" y="1600200"/>
-            <a:ext cx="5005032" cy="4572000"/>
-          </a:xfrm>
-        </p:spPr>
-        <p:txBody>
-          <a:bodyPr/>
-          <a:lstStyle/>
-          <a:p>
-            <a:pPr marL="0" indent="0">
-              <a:buNone/>
-            </a:pPr>
-            <a:r>
-              <a:rPr lang="zh-CN" altLang="en-US" smtClean="0"/>
-              <a:t>主供应商和次供应商提供的价格随市场波动，价格不同将采取不同采购策略</a:t>
-            </a:r>
-            <a:endParaRPr lang="en-US" altLang="zh-CN" smtClean="0"/>
-          </a:p>
-          <a:p>
-            <a:pPr marL="0" indent="0">
-              <a:buNone/>
-            </a:pPr>
-            <a:r>
-              <a:rPr lang="en-US" altLang="zh-CN" smtClean="0"/>
-              <a:t>price1=sin(0.2*t)+1.2</a:t>
-            </a:r>
-          </a:p>
-          <a:p>
-            <a:pPr marL="0" indent="0">
-              <a:buNone/>
-            </a:pPr>
-            <a:r>
-              <a:rPr lang="en-US" altLang="zh-CN" smtClean="0"/>
-              <a:t>price2=cos(0.3*t)+1.2</a:t>
-            </a:r>
-          </a:p>
-          <a:p>
-            <a:pPr marL="0" indent="0">
-              <a:buNone/>
-            </a:pPr>
-            <a:r>
-              <a:rPr lang="zh-CN" altLang="en-US" smtClean="0"/>
-              <a:t>当</a:t>
-            </a:r>
-            <a:r>
-              <a:rPr lang="en-US" altLang="zh-CN" smtClean="0"/>
-              <a:t>price1</a:t>
-            </a:r>
-            <a:r>
-              <a:rPr lang="zh-CN" altLang="en-US" smtClean="0"/>
-              <a:t>低于</a:t>
-            </a:r>
-            <a:r>
-              <a:rPr lang="en-US" altLang="zh-CN" smtClean="0"/>
-              <a:t>price2</a:t>
-            </a:r>
-            <a:r>
-              <a:rPr lang="zh-CN" altLang="en-US" smtClean="0"/>
-              <a:t>时，每次采购量为</a:t>
-            </a:r>
-            <a:r>
-              <a:rPr lang="en-US" altLang="zh-CN" smtClean="0"/>
-              <a:t>1</a:t>
-            </a:r>
-            <a:r>
-              <a:rPr lang="zh-CN" altLang="en-US" smtClean="0"/>
-              <a:t>（吨），反之则一共采购量</a:t>
-            </a:r>
-            <a:r>
-              <a:rPr lang="en-US" altLang="zh-CN" smtClean="0"/>
-              <a:t>0.5</a:t>
-            </a:r>
-            <a:r>
-              <a:rPr lang="zh-CN" altLang="en-US" smtClean="0"/>
-              <a:t>（吨）</a:t>
-            </a:r>
-            <a:endParaRPr lang="zh-CN" altLang="en-US"/>
-          </a:p>
-        </p:txBody>
-      </p:sp>
-      <p:pic>
-        <p:nvPicPr>
-          <p:cNvPr id="5" name="图片 4"/>
-          <p:cNvPicPr>
-            <a:picLocks noChangeAspect="1"/>
-          </p:cNvPicPr>
-          <p:nvPr/>
-        </p:nvPicPr>
-        <p:blipFill>
-          <a:blip r:embed="rId2"/>
-          <a:stretch>
-            <a:fillRect/>
-          </a:stretch>
-        </p:blipFill>
-        <p:spPr>
-          <a:xfrm>
-            <a:off x="6238428" y="2884314"/>
-            <a:ext cx="5793944" cy="3287886"/>
-          </a:xfrm>
-          <a:prstGeom prst="rect">
-            <a:avLst/>
-          </a:prstGeom>
-        </p:spPr>
-      </p:pic>
-    </p:spTree>
-    <p:extLst>
-      <p:ext uri="{BB962C8B-B14F-4D97-AF65-F5344CB8AC3E}">
-        <p14:creationId xmlns:p14="http://schemas.microsoft.com/office/powerpoint/2010/main" val="3209095676"/>
-      </p:ext>
-    </p:extLst>
-  </p:cSld>
-  <p:clrMapOvr>
-    <a:masterClrMapping/>
-  </p:clrMapOvr>
-  <mc:AlternateContent xmlns:mc="http://schemas.openxmlformats.org/markup-compatibility/2006" xmlns:p14="http://schemas.microsoft.com/office/powerpoint/2010/main">
-    <mc:Choice Requires="p14">
-      <p:transition spd="med" p14:dur="700">
-        <p:fade/>
-      </p:transition>
-    </mc:Choice>
-    <mc:Fallback xmlns="">
-      <p:transition spd="med">
-        <p:fade/>
-      </p:transition>
-    </mc:Fallback>
-  </mc:AlternateContent>
-  <p:timing>
-    <p:tnLst>
-      <p:par>
-        <p:cTn id="1" dur="indefinite" restart="never" nodeType="tmRoot"/>
-      </p:par>
-    </p:tnLst>
-  </p:timing>
-</p:sld>
-</file>
-
-<file path=ppt/slides/slide25.xml><?xml version="1.0" encoding="utf-8"?>
-<p:sld xmlns:a="http://schemas.openxmlformats.org/drawingml/2006/main" xmlns:r="http://schemas.openxmlformats.org/officeDocument/2006/relationships" xmlns:p="http://schemas.openxmlformats.org/presentationml/2006/main">
-  <p:cSld>
-    <p:spTree>
-      <p:nvGrpSpPr>
-        <p:cNvPr id="1" name=""/>
-        <p:cNvGrpSpPr/>
-        <p:nvPr/>
-      </p:nvGrpSpPr>
-      <p:grpSpPr>
-        <a:xfrm>
-          <a:off x="0" y="0"/>
-          <a:ext cx="0" cy="0"/>
-          <a:chOff x="0" y="0"/>
-          <a:chExt cx="0" cy="0"/>
-        </a:xfrm>
-      </p:grpSpPr>
-      <p:sp>
-        <p:nvSpPr>
-          <p:cNvPr id="2" name="标题 1"/>
-          <p:cNvSpPr>
-            <a:spLocks noGrp="1"/>
-          </p:cNvSpPr>
-          <p:nvPr>
-            <p:ph type="title"/>
-          </p:nvPr>
-        </p:nvSpPr>
-        <p:spPr/>
-        <p:txBody>
-          <a:bodyPr/>
-          <a:lstStyle/>
-          <a:p>
-            <a:r>
-              <a:rPr lang="zh-CN" altLang="en-US" dirty="0" smtClean="0"/>
-              <a:t>逻辑</a:t>
-            </a:r>
-            <a:r>
-              <a:rPr lang="zh-CN" altLang="en-US" dirty="0"/>
-              <a:t>运算符</a:t>
-            </a:r>
-            <a:endParaRPr lang="zh-CN" altLang="en-US" dirty="0"/>
-          </a:p>
-        </p:txBody>
-      </p:sp>
-      <p:sp>
-        <p:nvSpPr>
-          <p:cNvPr id="3" name="内容占位符 2"/>
-          <p:cNvSpPr>
-            <a:spLocks noGrp="1"/>
-          </p:cNvSpPr>
-          <p:nvPr>
-            <p:ph idx="1"/>
-          </p:nvPr>
-        </p:nvSpPr>
-        <p:spPr/>
-        <p:txBody>
-          <a:bodyPr/>
-          <a:lstStyle/>
-          <a:p>
-            <a:r>
-              <a:rPr lang="zh-CN" altLang="en-US" smtClean="0"/>
-              <a:t>逻辑运算</a:t>
-            </a:r>
-            <a:endParaRPr lang="en-US" altLang="zh-CN" smtClean="0"/>
-          </a:p>
-          <a:p>
-            <a:pPr marL="365760" lvl="1" indent="0">
-              <a:buNone/>
-            </a:pPr>
-            <a:r>
-              <a:rPr lang="en-US" altLang="zh-CN" smtClean="0"/>
-              <a:t>:and:</a:t>
-            </a:r>
-          </a:p>
-          <a:p>
-            <a:pPr marL="365760" lvl="1" indent="0">
-              <a:buNone/>
-            </a:pPr>
-            <a:r>
-              <a:rPr lang="en-US" altLang="zh-CN" smtClean="0"/>
-              <a:t>:or:</a:t>
-            </a:r>
-          </a:p>
-          <a:p>
-            <a:pPr marL="365760" lvl="1" indent="0">
-              <a:buNone/>
-            </a:pPr>
-            <a:r>
-              <a:rPr lang="en-US" altLang="zh-CN" smtClean="0"/>
-              <a:t>:not:</a:t>
-            </a:r>
-            <a:endParaRPr lang="zh-CN" altLang="en-US"/>
-          </a:p>
-        </p:txBody>
-      </p:sp>
-      <p:sp>
-        <p:nvSpPr>
-          <p:cNvPr id="4" name="文本框 3"/>
-          <p:cNvSpPr txBox="1"/>
-          <p:nvPr/>
-        </p:nvSpPr>
-        <p:spPr>
-          <a:xfrm>
-            <a:off x="1593435" y="3645024"/>
-            <a:ext cx="3988857" cy="1615827"/>
-          </a:xfrm>
-          <a:prstGeom prst="rect">
-            <a:avLst/>
-          </a:prstGeom>
-          <a:noFill/>
-        </p:spPr>
-        <p:txBody>
-          <a:bodyPr wrap="square" rtlCol="0">
-            <a:spAutoFit/>
-          </a:bodyPr>
-          <a:lstStyle/>
-          <a:p>
-            <a:pPr>
-              <a:lnSpc>
-                <a:spcPct val="110000"/>
-              </a:lnSpc>
-            </a:pPr>
-            <a:r>
-              <a:rPr lang="zh-CN" altLang="en-US" smtClean="0"/>
-              <a:t>继续双供应商案例，我们不但要求主供应商价格要低于次供应商，还要求主供应商价格在</a:t>
-            </a:r>
-            <a:r>
-              <a:rPr lang="en-US" altLang="zh-CN" smtClean="0"/>
-              <a:t>1.0</a:t>
-            </a:r>
-            <a:r>
-              <a:rPr lang="zh-CN" altLang="en-US" smtClean="0"/>
-              <a:t>（万）之上才会执行高采购策略，否则会担心质量问题。</a:t>
-            </a:r>
-            <a:endParaRPr lang="en-US" altLang="zh-CN" smtClean="0"/>
-          </a:p>
-          <a:p>
-            <a:pPr>
-              <a:lnSpc>
-                <a:spcPct val="110000"/>
-              </a:lnSpc>
-            </a:pPr>
-            <a:r>
-              <a:rPr lang="zh-CN" altLang="en-US" smtClean="0"/>
-              <a:t>尝试做出库存仿真</a:t>
-            </a:r>
-            <a:endParaRPr lang="zh-CN" altLang="en-US"/>
-          </a:p>
-        </p:txBody>
-      </p:sp>
-      <p:pic>
-        <p:nvPicPr>
-          <p:cNvPr id="5" name="图片 4"/>
-          <p:cNvPicPr>
-            <a:picLocks noChangeAspect="1"/>
-          </p:cNvPicPr>
-          <p:nvPr/>
-        </p:nvPicPr>
-        <p:blipFill>
-          <a:blip r:embed="rId2"/>
-          <a:stretch>
-            <a:fillRect/>
-          </a:stretch>
-        </p:blipFill>
-        <p:spPr>
-          <a:xfrm>
-            <a:off x="6166420" y="2884314"/>
-            <a:ext cx="5793944" cy="3287886"/>
-          </a:xfrm>
-          <a:prstGeom prst="rect">
-            <a:avLst/>
-          </a:prstGeom>
-        </p:spPr>
-      </p:pic>
-      <p:sp>
-        <p:nvSpPr>
-          <p:cNvPr id="6" name="文本框 5"/>
-          <p:cNvSpPr txBox="1"/>
-          <p:nvPr/>
-        </p:nvSpPr>
-        <p:spPr>
-          <a:xfrm>
-            <a:off x="6670477" y="836712"/>
-            <a:ext cx="4320480" cy="1477328"/>
-          </a:xfrm>
-          <a:prstGeom prst="rect">
-            <a:avLst/>
-          </a:prstGeom>
-          <a:noFill/>
-        </p:spPr>
-        <p:txBody>
-          <a:bodyPr wrap="square" rtlCol="0">
-            <a:spAutoFit/>
-          </a:bodyPr>
-          <a:lstStyle/>
-          <a:p>
-            <a:r>
-              <a:rPr lang="zh-CN" altLang="en-US" smtClean="0"/>
-              <a:t>那么，</a:t>
-            </a:r>
-            <a:r>
-              <a:rPr lang="en-US" altLang="zh-CN" smtClean="0"/>
-              <a:t>inflow</a:t>
-            </a:r>
-            <a:r>
-              <a:rPr lang="zh-CN" altLang="en-US" smtClean="0"/>
-              <a:t>处的条件则需要同时满足</a:t>
-            </a:r>
-            <a:endParaRPr lang="en-US" altLang="zh-CN" smtClean="0"/>
-          </a:p>
-          <a:p>
-            <a:pPr marL="285750" indent="-285750">
-              <a:buFont typeface="Arial" panose="020B0604020202020204" pitchFamily="34" charset="0"/>
-              <a:buChar char="•"/>
-            </a:pPr>
-            <a:r>
-              <a:rPr lang="en-US" altLang="zh-CN" smtClean="0"/>
-              <a:t>price1&gt;price2</a:t>
-            </a:r>
-          </a:p>
-          <a:p>
-            <a:pPr marL="285750" indent="-285750">
-              <a:buFont typeface="Arial" panose="020B0604020202020204" pitchFamily="34" charset="0"/>
-              <a:buChar char="•"/>
-            </a:pPr>
-            <a:r>
-              <a:rPr lang="en-US" altLang="zh-CN" smtClean="0"/>
-              <a:t>price1&gt;1.0</a:t>
-            </a:r>
-          </a:p>
-          <a:p>
-            <a:r>
-              <a:rPr lang="en-US" altLang="zh-CN" smtClean="0"/>
-              <a:t>inflow</a:t>
-            </a:r>
-            <a:r>
-              <a:rPr lang="zh-CN" altLang="en-US" smtClean="0"/>
-              <a:t>才会执行高采购方案，否则执行低采购方案</a:t>
-            </a:r>
-            <a:endParaRPr lang="zh-CN" altLang="en-US"/>
-          </a:p>
-        </p:txBody>
-      </p:sp>
-    </p:spTree>
-    <p:extLst>
-      <p:ext uri="{BB962C8B-B14F-4D97-AF65-F5344CB8AC3E}">
-        <p14:creationId xmlns:p14="http://schemas.microsoft.com/office/powerpoint/2010/main" val="3574685850"/>
-      </p:ext>
-    </p:extLst>
-  </p:cSld>
-  <p:clrMapOvr>
-    <a:masterClrMapping/>
-  </p:clrMapOvr>
-  <mc:AlternateContent xmlns:mc="http://schemas.openxmlformats.org/markup-compatibility/2006" xmlns:p14="http://schemas.microsoft.com/office/powerpoint/2010/main">
-    <mc:Choice Requires="p14">
-      <p:transition spd="med" p14:dur="700">
-        <p:fade/>
-      </p:transition>
-    </mc:Choice>
-    <mc:Fallback xmlns="">
-      <p:transition spd="med">
-        <p:fade/>
-      </p:transition>
-    </mc:Fallback>
-  </mc:AlternateContent>
-  <p:timing>
-    <p:tnLst>
-      <p:par>
-        <p:cTn id="1" dur="indefinite" restart="never" nodeType="tmRoot"/>
-      </p:par>
-    </p:tnLst>
-  </p:timing>
-</p:sld>
-</file>
-
-<file path=ppt/slides/slide26.xml><?xml version="1.0" encoding="utf-8"?>
-<p:sld xmlns:a="http://schemas.openxmlformats.org/drawingml/2006/main" xmlns:r="http://schemas.openxmlformats.org/officeDocument/2006/relationships" xmlns:p="http://schemas.openxmlformats.org/presentationml/2006/main">
-  <p:cSld>
-    <p:spTree>
-      <p:nvGrpSpPr>
-        <p:cNvPr id="1" name=""/>
-        <p:cNvGrpSpPr/>
-        <p:nvPr/>
-      </p:nvGrpSpPr>
-      <p:grpSpPr>
-        <a:xfrm>
-          <a:off x="0" y="0"/>
-          <a:ext cx="0" cy="0"/>
-          <a:chOff x="0" y="0"/>
-          <a:chExt cx="0" cy="0"/>
-        </a:xfrm>
-      </p:grpSpPr>
-      <p:sp>
-        <p:nvSpPr>
-          <p:cNvPr id="2" name="标题 1"/>
-          <p:cNvSpPr>
-            <a:spLocks noGrp="1"/>
-          </p:cNvSpPr>
-          <p:nvPr>
-            <p:ph type="title"/>
-          </p:nvPr>
-        </p:nvSpPr>
-        <p:spPr/>
-        <p:txBody>
-          <a:bodyPr/>
-          <a:lstStyle/>
-          <a:p>
-            <a:r>
-              <a:rPr lang="zh-CN" altLang="en-US"/>
-              <a:t>逻辑函数</a:t>
-            </a:r>
-          </a:p>
-        </p:txBody>
-      </p:sp>
-      <p:sp>
-        <p:nvSpPr>
-          <p:cNvPr id="3" name="内容占位符 2"/>
-          <p:cNvSpPr>
-            <a:spLocks noGrp="1"/>
-          </p:cNvSpPr>
-          <p:nvPr>
-            <p:ph idx="1"/>
-          </p:nvPr>
-        </p:nvSpPr>
-        <p:spPr/>
-        <p:txBody>
-          <a:bodyPr/>
-          <a:lstStyle/>
-          <a:p>
-            <a:r>
-              <a:rPr lang="zh-CN" altLang="en-US" smtClean="0"/>
-              <a:t>逻辑运算</a:t>
-            </a:r>
-            <a:endParaRPr lang="zh-CN" altLang="en-US"/>
-          </a:p>
-        </p:txBody>
-      </p:sp>
-      <p:pic>
-        <p:nvPicPr>
-          <p:cNvPr id="4" name="图片 3"/>
-          <p:cNvPicPr>
-            <a:picLocks noChangeAspect="1"/>
-          </p:cNvPicPr>
-          <p:nvPr/>
-        </p:nvPicPr>
-        <p:blipFill>
-          <a:blip r:embed="rId2"/>
-          <a:stretch>
-            <a:fillRect/>
-          </a:stretch>
-        </p:blipFill>
-        <p:spPr>
-          <a:xfrm>
-            <a:off x="6166420" y="2884314"/>
-            <a:ext cx="5793944" cy="3287886"/>
-          </a:xfrm>
-          <a:prstGeom prst="rect">
-            <a:avLst/>
-          </a:prstGeom>
-        </p:spPr>
-      </p:pic>
-      <p:sp>
-        <p:nvSpPr>
-          <p:cNvPr id="5" name="文本框 4"/>
-          <p:cNvSpPr txBox="1"/>
-          <p:nvPr/>
-        </p:nvSpPr>
-        <p:spPr>
-          <a:xfrm>
-            <a:off x="1593436" y="2204864"/>
-            <a:ext cx="6336704" cy="1200329"/>
-          </a:xfrm>
-          <a:prstGeom prst="rect">
-            <a:avLst/>
-          </a:prstGeom>
-          <a:noFill/>
-        </p:spPr>
-        <p:txBody>
-          <a:bodyPr wrap="square" rtlCol="0">
-            <a:spAutoFit/>
-          </a:bodyPr>
-          <a:lstStyle/>
-          <a:p>
-            <a:r>
-              <a:rPr lang="en-US" altLang="zh-CN" smtClean="0"/>
-              <a:t>stock=INTEG(inflow,20)</a:t>
-            </a:r>
-          </a:p>
-          <a:p>
-            <a:r>
-              <a:rPr lang="en-US" altLang="zh-CN" smtClean="0"/>
-              <a:t>inflow=IF THEN ELSE (price1&gt;price2:and:price1&gt;1,2,0.5)</a:t>
-            </a:r>
-          </a:p>
-          <a:p>
-            <a:r>
-              <a:rPr lang="en-US" altLang="zh-CN" smtClean="0"/>
-              <a:t>price1=1.2*sin(0.2*Time)</a:t>
-            </a:r>
-          </a:p>
-          <a:p>
-            <a:r>
-              <a:rPr lang="en-US" altLang="zh-CN" smtClean="0"/>
-              <a:t>price2=1.2*cos(0.3*Time)</a:t>
-            </a:r>
-            <a:endParaRPr lang="zh-CN" altLang="en-US"/>
-          </a:p>
-        </p:txBody>
-      </p:sp>
-    </p:spTree>
-    <p:extLst>
-      <p:ext uri="{BB962C8B-B14F-4D97-AF65-F5344CB8AC3E}">
-        <p14:creationId xmlns:p14="http://schemas.microsoft.com/office/powerpoint/2010/main" val="3025825003"/>
-      </p:ext>
-    </p:extLst>
-  </p:cSld>
-  <p:clrMapOvr>
-    <a:masterClrMapping/>
-  </p:clrMapOvr>
-  <mc:AlternateContent xmlns:mc="http://schemas.openxmlformats.org/markup-compatibility/2006" xmlns:p14="http://schemas.microsoft.com/office/powerpoint/2010/main">
-    <mc:Choice Requires="p14">
-      <p:transition spd="med" p14:dur="700">
-        <p:fade/>
-      </p:transition>
-    </mc:Choice>
-    <mc:Fallback xmlns="">
-      <p:transition spd="med">
-        <p:fade/>
-      </p:transition>
-    </mc:Fallback>
-  </mc:AlternateContent>
-  <p:timing>
-    <p:tnLst>
-      <p:par>
-        <p:cTn id="1" dur="indefinite" restart="never" nodeType="tmRoot"/>
-      </p:par>
-    </p:tnLst>
-  </p:timing>
-</p:sld>
-</file>
-
-<file path=ppt/slides/slide27.xml><?xml version="1.0" encoding="utf-8"?>
-<p:sld xmlns:a="http://schemas.openxmlformats.org/drawingml/2006/main" xmlns:r="http://schemas.openxmlformats.org/officeDocument/2006/relationships" xmlns:p="http://schemas.openxmlformats.org/presentationml/2006/main">
-  <p:cSld>
-    <p:spTree>
-      <p:nvGrpSpPr>
-        <p:cNvPr id="1" name=""/>
-        <p:cNvGrpSpPr/>
-        <p:nvPr/>
-      </p:nvGrpSpPr>
-      <p:grpSpPr>
-        <a:xfrm>
-          <a:off x="0" y="0"/>
-          <a:ext cx="0" cy="0"/>
-          <a:chOff x="0" y="0"/>
-          <a:chExt cx="0" cy="0"/>
-        </a:xfrm>
-      </p:grpSpPr>
-      <p:sp>
-        <p:nvSpPr>
-          <p:cNvPr id="2" name="标题 1"/>
-          <p:cNvSpPr>
-            <a:spLocks noGrp="1"/>
-          </p:cNvSpPr>
-          <p:nvPr>
-            <p:ph type="title"/>
-          </p:nvPr>
-        </p:nvSpPr>
-        <p:spPr/>
-        <p:txBody>
-          <a:bodyPr/>
-          <a:lstStyle/>
-          <a:p>
-            <a:r>
-              <a:rPr lang="zh-CN" altLang="en-US" smtClean="0"/>
-              <a:t>表函数</a:t>
-            </a:r>
-            <a:endParaRPr lang="zh-CN" altLang="en-US"/>
-          </a:p>
-        </p:txBody>
-      </p:sp>
-      <p:sp>
-        <p:nvSpPr>
-          <p:cNvPr id="3" name="内容占位符 2"/>
-          <p:cNvSpPr>
-            <a:spLocks noGrp="1"/>
-          </p:cNvSpPr>
-          <p:nvPr>
-            <p:ph idx="1"/>
-          </p:nvPr>
-        </p:nvSpPr>
-        <p:spPr/>
-        <p:txBody>
-          <a:bodyPr/>
-          <a:lstStyle/>
-          <a:p>
-            <a:pPr>
-              <a:buFont typeface="Wingdings" panose="05000000000000000000" pitchFamily="2" charset="2"/>
-              <a:buChar char="u"/>
-            </a:pPr>
-            <a:r>
-              <a:rPr lang="zh-CN" altLang="en-US" smtClean="0"/>
-              <a:t>表函数</a:t>
-            </a:r>
-            <a:r>
-              <a:rPr lang="en-US" altLang="zh-CN" smtClean="0"/>
-              <a:t>/</a:t>
-            </a:r>
-            <a:r>
-              <a:rPr lang="zh-CN" altLang="en-US" smtClean="0"/>
-              <a:t>图函数</a:t>
-            </a:r>
-            <a:endParaRPr lang="en-US" altLang="zh-CN" smtClean="0"/>
-          </a:p>
-          <a:p>
-            <a:pPr marL="0" indent="0">
-              <a:buNone/>
-            </a:pPr>
-            <a:r>
-              <a:rPr lang="zh-CN" altLang="en-US" smtClean="0"/>
-              <a:t>当无法准确获得输入和输出之间函数关系时，表函数将经验估算的定性分析转化到大致的定量水平上，并在仿真时间段内建立对应关系。</a:t>
-            </a:r>
-            <a:endParaRPr lang="zh-CN" altLang="en-US"/>
-          </a:p>
-        </p:txBody>
-      </p:sp>
-      <p:pic>
-        <p:nvPicPr>
-          <p:cNvPr id="4" name="图片 3"/>
-          <p:cNvPicPr>
-            <a:picLocks noChangeAspect="1"/>
-          </p:cNvPicPr>
-          <p:nvPr/>
-        </p:nvPicPr>
-        <p:blipFill>
-          <a:blip r:embed="rId2"/>
-          <a:stretch>
-            <a:fillRect/>
-          </a:stretch>
-        </p:blipFill>
-        <p:spPr>
-          <a:xfrm>
-            <a:off x="1318188" y="3861048"/>
-            <a:ext cx="4414373" cy="2877335"/>
-          </a:xfrm>
-          <a:prstGeom prst="rect">
-            <a:avLst/>
-          </a:prstGeom>
-        </p:spPr>
-      </p:pic>
-      <p:pic>
-        <p:nvPicPr>
-          <p:cNvPr id="5" name="图片 4"/>
-          <p:cNvPicPr>
-            <a:picLocks noChangeAspect="1"/>
-          </p:cNvPicPr>
-          <p:nvPr/>
-        </p:nvPicPr>
-        <p:blipFill>
-          <a:blip r:embed="rId3"/>
-          <a:stretch>
-            <a:fillRect/>
-          </a:stretch>
-        </p:blipFill>
-        <p:spPr>
-          <a:xfrm>
-            <a:off x="7390556" y="3861048"/>
-            <a:ext cx="4399012" cy="2848236"/>
-          </a:xfrm>
-          <a:prstGeom prst="rect">
-            <a:avLst/>
-          </a:prstGeom>
-        </p:spPr>
-      </p:pic>
-    </p:spTree>
-    <p:extLst>
-      <p:ext uri="{BB962C8B-B14F-4D97-AF65-F5344CB8AC3E}">
-        <p14:creationId xmlns:p14="http://schemas.microsoft.com/office/powerpoint/2010/main" val="1018364132"/>
-      </p:ext>
-    </p:extLst>
-  </p:cSld>
-  <p:clrMapOvr>
-    <a:masterClrMapping/>
-  </p:clrMapOvr>
-  <mc:AlternateContent xmlns:mc="http://schemas.openxmlformats.org/markup-compatibility/2006" xmlns:p14="http://schemas.microsoft.com/office/powerpoint/2010/main">
-    <mc:Choice Requires="p14">
-      <p:transition spd="med" p14:dur="700">
-        <p:fade/>
-      </p:transition>
-    </mc:Choice>
-    <mc:Fallback xmlns="">
-      <p:transition spd="med">
-        <p:fade/>
-      </p:transition>
-    </mc:Fallback>
-  </mc:AlternateContent>
-  <p:timing>
-    <p:tnLst>
-      <p:par>
-        <p:cTn id="1" dur="indefinite" restart="never" nodeType="tmRoot"/>
-      </p:par>
-    </p:tnLst>
-  </p:timing>
-</p:sld>
-</file>
-
-<file path=ppt/slides/slide28.xml><?xml version="1.0" encoding="utf-8"?>
-<p:sld xmlns:a="http://schemas.openxmlformats.org/drawingml/2006/main" xmlns:r="http://schemas.openxmlformats.org/officeDocument/2006/relationships" xmlns:p="http://schemas.openxmlformats.org/presentationml/2006/main">
-  <p:cSld>
-    <p:spTree>
-      <p:nvGrpSpPr>
-        <p:cNvPr id="1" name=""/>
-        <p:cNvGrpSpPr/>
-        <p:nvPr/>
-      </p:nvGrpSpPr>
-      <p:grpSpPr>
-        <a:xfrm>
-          <a:off x="0" y="0"/>
-          <a:ext cx="0" cy="0"/>
-          <a:chOff x="0" y="0"/>
-          <a:chExt cx="0" cy="0"/>
-        </a:xfrm>
-      </p:grpSpPr>
-      <p:sp>
-        <p:nvSpPr>
-          <p:cNvPr id="2" name="标题 1"/>
-          <p:cNvSpPr>
-            <a:spLocks noGrp="1"/>
-          </p:cNvSpPr>
-          <p:nvPr>
-            <p:ph type="title"/>
-          </p:nvPr>
-        </p:nvSpPr>
-        <p:spPr/>
-        <p:txBody>
-          <a:bodyPr/>
-          <a:lstStyle/>
-          <a:p>
-            <a:r>
-              <a:rPr lang="zh-CN" altLang="en-US" smtClean="0"/>
-              <a:t>表函数数学描述</a:t>
-            </a:r>
-            <a:endParaRPr lang="zh-CN" altLang="en-US"/>
-          </a:p>
-        </p:txBody>
-      </p:sp>
-      <p:sp>
-        <p:nvSpPr>
-          <p:cNvPr id="3" name="内容占位符 2"/>
-          <p:cNvSpPr>
-            <a:spLocks noGrp="1"/>
-          </p:cNvSpPr>
-          <p:nvPr>
-            <p:ph idx="1"/>
-          </p:nvPr>
-        </p:nvSpPr>
-        <p:spPr/>
-        <p:txBody>
-          <a:bodyPr/>
-          <a:lstStyle/>
-          <a:p>
-            <a:r>
-              <a:rPr lang="zh-CN" altLang="en-US" dirty="0" smtClean="0"/>
-              <a:t>表函数是一大类函数，包括确定性的和不确定性的表函数</a:t>
-            </a:r>
-            <a:endParaRPr lang="en-US" altLang="zh-CN" dirty="0" smtClean="0"/>
-          </a:p>
-          <a:p>
-            <a:r>
-              <a:rPr lang="zh-CN" altLang="en-US" dirty="0" smtClean="0"/>
-              <a:t>基本思想：将有价值的分析估算为可用于计算的数值</a:t>
-            </a:r>
-            <a:endParaRPr lang="en-US" altLang="zh-CN" dirty="0" smtClean="0"/>
-          </a:p>
-          <a:p>
-            <a:r>
-              <a:rPr lang="zh-CN" altLang="en-US" dirty="0"/>
-              <a:t>表</a:t>
-            </a:r>
-            <a:r>
-              <a:rPr lang="zh-CN" altLang="en-US" dirty="0" smtClean="0"/>
-              <a:t>函数设置类型</a:t>
-            </a:r>
-            <a:endParaRPr lang="en-US" altLang="zh-CN" dirty="0" smtClean="0"/>
-          </a:p>
-          <a:p>
-            <a:pPr lvl="1"/>
-            <a:r>
-              <a:rPr lang="en-US" altLang="zh-CN" dirty="0" err="1" smtClean="0"/>
-              <a:t>auxillary</a:t>
-            </a:r>
-            <a:r>
-              <a:rPr lang="en-US" altLang="zh-CN" dirty="0" smtClean="0"/>
-              <a:t>  </a:t>
-            </a:r>
-            <a:r>
-              <a:rPr lang="en-US" altLang="zh-CN" dirty="0" err="1" smtClean="0"/>
-              <a:t>type:with</a:t>
-            </a:r>
-            <a:r>
-              <a:rPr lang="en-US" altLang="zh-CN" dirty="0" smtClean="0"/>
-              <a:t> lookup</a:t>
-            </a:r>
-          </a:p>
-          <a:p>
-            <a:r>
-              <a:rPr lang="zh-CN" altLang="en-US" dirty="0" smtClean="0"/>
-              <a:t>设置填写数据对</a:t>
-            </a:r>
-            <a:r>
-              <a:rPr lang="en-US" altLang="zh-CN" dirty="0" smtClean="0"/>
-              <a:t>/</a:t>
-            </a:r>
-            <a:r>
-              <a:rPr lang="zh-CN" altLang="en-US" dirty="0" smtClean="0"/>
-              <a:t>点坐标</a:t>
-            </a:r>
-            <a:r>
-              <a:rPr lang="en-US" altLang="zh-CN" dirty="0" smtClean="0"/>
-              <a:t>,(10,12)</a:t>
-            </a:r>
-          </a:p>
-          <a:p>
-            <a:r>
-              <a:rPr lang="zh-CN" altLang="en-US" dirty="0" smtClean="0"/>
-              <a:t>表函数的书写格式</a:t>
-            </a:r>
-            <a:endParaRPr lang="en-US" altLang="zh-CN" dirty="0" smtClean="0"/>
-          </a:p>
-          <a:p>
-            <a:pPr marL="0" indent="0">
-              <a:buNone/>
-            </a:pPr>
-            <a:r>
-              <a:rPr lang="zh-CN" altLang="en-US" sz="2000" dirty="0" smtClean="0">
-                <a:solidFill>
-                  <a:srgbClr val="7030A0"/>
-                </a:solidFill>
-              </a:rPr>
-              <a:t>因变量</a:t>
-            </a:r>
-            <a:r>
-              <a:rPr lang="en-US" altLang="zh-CN" sz="2000" dirty="0" smtClean="0">
-                <a:solidFill>
-                  <a:srgbClr val="7030A0"/>
-                </a:solidFill>
-              </a:rPr>
-              <a:t>=WITH LOOKUP</a:t>
-            </a:r>
-            <a:r>
-              <a:rPr lang="zh-CN" altLang="en-US" sz="2000" dirty="0" smtClean="0">
-                <a:solidFill>
-                  <a:srgbClr val="7030A0"/>
-                </a:solidFill>
-              </a:rPr>
-              <a:t>（自变量</a:t>
-            </a:r>
-            <a:r>
-              <a:rPr lang="en-US" altLang="zh-CN" sz="2000" dirty="0" smtClean="0">
-                <a:solidFill>
-                  <a:srgbClr val="7030A0"/>
-                </a:solidFill>
-              </a:rPr>
-              <a:t>,[(0,0)-(12,100)],(0,15),(4,37),(11,87),(12,93) )</a:t>
-            </a:r>
-            <a:endParaRPr lang="zh-CN" altLang="en-US" sz="2000" dirty="0">
-              <a:solidFill>
-                <a:srgbClr val="7030A0"/>
-              </a:solidFill>
-            </a:endParaRPr>
-          </a:p>
-        </p:txBody>
-      </p:sp>
-    </p:spTree>
-    <p:extLst>
-      <p:ext uri="{BB962C8B-B14F-4D97-AF65-F5344CB8AC3E}">
-        <p14:creationId xmlns:p14="http://schemas.microsoft.com/office/powerpoint/2010/main" val="347248706"/>
-      </p:ext>
-    </p:extLst>
-  </p:cSld>
-  <p:clrMapOvr>
-    <a:masterClrMapping/>
-  </p:clrMapOvr>
-  <mc:AlternateContent xmlns:mc="http://schemas.openxmlformats.org/markup-compatibility/2006" xmlns:p14="http://schemas.microsoft.com/office/powerpoint/2010/main">
-    <mc:Choice Requires="p14">
-      <p:transition spd="med" p14:dur="700">
-        <p:fade/>
-      </p:transition>
-    </mc:Choice>
-    <mc:Fallback xmlns="">
-      <p:transition spd="med">
-        <p:fade/>
-      </p:transition>
-    </mc:Fallback>
-  </mc:AlternateContent>
-  <p:timing>
-    <p:tnLst>
-      <p:par>
-        <p:cTn id="1" dur="indefinite" restart="never" nodeType="tmRoot"/>
-      </p:par>
-    </p:tnLst>
-  </p:timing>
-</p:sld>
-</file>
-
-<file path=ppt/slides/slide29.xml><?xml version="1.0" encoding="utf-8"?>
-<p:sld xmlns:a="http://schemas.openxmlformats.org/drawingml/2006/main" xmlns:r="http://schemas.openxmlformats.org/officeDocument/2006/relationships" xmlns:p="http://schemas.openxmlformats.org/presentationml/2006/main">
-  <p:cSld>
-    <p:spTree>
-      <p:nvGrpSpPr>
-        <p:cNvPr id="1" name=""/>
-        <p:cNvGrpSpPr/>
-        <p:nvPr/>
-      </p:nvGrpSpPr>
-      <p:grpSpPr>
-        <a:xfrm>
-          <a:off x="0" y="0"/>
-          <a:ext cx="0" cy="0"/>
-          <a:chOff x="0" y="0"/>
-          <a:chExt cx="0" cy="0"/>
-        </a:xfrm>
-      </p:grpSpPr>
-      <p:sp>
-        <p:nvSpPr>
-          <p:cNvPr id="2" name="标题 1"/>
-          <p:cNvSpPr>
-            <a:spLocks noGrp="1"/>
-          </p:cNvSpPr>
-          <p:nvPr>
-            <p:ph type="title"/>
-          </p:nvPr>
-        </p:nvSpPr>
-        <p:spPr/>
-        <p:txBody>
-          <a:bodyPr/>
-          <a:lstStyle/>
-          <a:p>
-            <a:r>
-              <a:rPr lang="zh-CN" altLang="en-US" smtClean="0"/>
-              <a:t>设置表函数考虑的要点</a:t>
-            </a:r>
-            <a:endParaRPr lang="zh-CN" altLang="en-US"/>
-          </a:p>
-        </p:txBody>
-      </p:sp>
-      <p:sp>
-        <p:nvSpPr>
-          <p:cNvPr id="3" name="内容占位符 2"/>
-          <p:cNvSpPr>
-            <a:spLocks noGrp="1"/>
-          </p:cNvSpPr>
-          <p:nvPr>
-            <p:ph idx="1"/>
-          </p:nvPr>
-        </p:nvSpPr>
-        <p:spPr/>
-        <p:txBody>
-          <a:bodyPr/>
-          <a:lstStyle/>
-          <a:p>
-            <a:pPr>
-              <a:buFont typeface="Wingdings" panose="05000000000000000000" pitchFamily="2" charset="2"/>
-              <a:buChar char="u"/>
-            </a:pPr>
-            <a:r>
-              <a:rPr lang="zh-CN" altLang="en-US" smtClean="0"/>
-              <a:t>明确因果关系：明确自变量因变量</a:t>
-            </a:r>
-            <a:endParaRPr lang="en-US" altLang="zh-CN" smtClean="0"/>
-          </a:p>
-          <a:p>
-            <a:pPr>
-              <a:buFont typeface="Wingdings" panose="05000000000000000000" pitchFamily="2" charset="2"/>
-              <a:buChar char="u"/>
-            </a:pPr>
-            <a:r>
-              <a:rPr lang="zh-CN" altLang="en-US" smtClean="0"/>
-              <a:t>确定范围：确定数据范围</a:t>
-            </a:r>
-            <a:endParaRPr lang="en-US" altLang="zh-CN" smtClean="0"/>
-          </a:p>
-          <a:p>
-            <a:pPr>
-              <a:buFont typeface="Wingdings" panose="05000000000000000000" pitchFamily="2" charset="2"/>
-              <a:buChar char="u"/>
-            </a:pPr>
-            <a:r>
-              <a:rPr lang="zh-CN" altLang="en-US" smtClean="0"/>
-              <a:t>考虑关键点：考虑曲线端点、驻点、拐点</a:t>
-            </a:r>
-            <a:endParaRPr lang="en-US" altLang="zh-CN" smtClean="0"/>
-          </a:p>
-          <a:p>
-            <a:pPr>
-              <a:buFont typeface="Wingdings" panose="05000000000000000000" pitchFamily="2" charset="2"/>
-              <a:buChar char="u"/>
-            </a:pPr>
-            <a:r>
-              <a:rPr lang="zh-CN" altLang="en-US" smtClean="0"/>
-              <a:t>考虑平缓：逐段考虑曲线变化形状，曲线斜率是否平缓</a:t>
-            </a:r>
-            <a:endParaRPr lang="en-US" altLang="zh-CN" smtClean="0"/>
-          </a:p>
-          <a:p>
-            <a:pPr>
-              <a:buFont typeface="Wingdings" panose="05000000000000000000" pitchFamily="2" charset="2"/>
-              <a:buChar char="u"/>
-            </a:pPr>
-            <a:endParaRPr lang="zh-CN" altLang="en-US"/>
-          </a:p>
-        </p:txBody>
-      </p:sp>
-    </p:spTree>
-    <p:extLst>
-      <p:ext uri="{BB962C8B-B14F-4D97-AF65-F5344CB8AC3E}">
-        <p14:creationId xmlns:p14="http://schemas.microsoft.com/office/powerpoint/2010/main" val="969078683"/>
       </p:ext>
     </p:extLst>
   </p:cSld>
@@ -16175,47 +14404,41 @@
 
 <file path=customXml/item10.xml><?xml version="1.0" encoding="utf-8"?>
 <Control xmlns="http://schemas.microsoft.com/VisualStudio/2011/storyboarding/control">
-  <Id Name="System.Storyboarding.Annotation.StickyNote" Revision="1" Stencil="System.Storyboarding.Annotation" StencilVersion="0.1"/>
+  <Id Name="System.Storyboarding.Common.TextInput" Revision="1" Stencil="System.Storyboarding.Common" StencilVersion="0.1"/>
 </Control>
 </file>
 
 <file path=customXml/item2.xml><?xml version="1.0" encoding="utf-8"?>
 <Control xmlns="http://schemas.microsoft.com/VisualStudio/2011/storyboarding/control">
-  <Id Name="System.Storyboarding.Common.TextInput" Revision="1" Stencil="System.Storyboarding.Common" StencilVersion="0.1"/>
+  <Id Name="System.Storyboarding.Common.DragSelection" Revision="1" Stencil="System.Storyboarding.Common" StencilVersion="0.1"/>
 </Control>
 </file>
 
 <file path=customXml/item3.xml><?xml version="1.0" encoding="utf-8"?>
 <Control xmlns="http://schemas.microsoft.com/VisualStudio/2011/storyboarding/control">
-  <Id Name="System.Storyboarding.Annotation.AnimatedRectangleCallout" Revision="1" Stencil="System.Storyboarding.Annotation" StencilVersion="0.1"/>
+  <Id Name="System.Storyboarding.Annotation.StickyNote" Revision="1" Stencil="System.Storyboarding.Annotation" StencilVersion="0.1"/>
 </Control>
 </file>
 
 <file path=customXml/item4.xml><?xml version="1.0" encoding="utf-8"?>
 <Control xmlns="http://schemas.microsoft.com/VisualStudio/2011/storyboarding/control">
-  <Id Name="System.Storyboarding.Annotation.AnimatedRectangleCallout" Revision="1" Stencil="System.Storyboarding.Annotation" StencilVersion="0.1"/>
+  <Id Name="System.Storyboarding.Annotation.StickyNote" Revision="1" Stencil="System.Storyboarding.Annotation" StencilVersion="0.1"/>
 </Control>
 </file>
 
 <file path=customXml/item5.xml><?xml version="1.0" encoding="utf-8"?>
 <Control xmlns="http://schemas.microsoft.com/VisualStudio/2011/storyboarding/control">
-  <Id Name="System.Storyboarding.Annotation.StickyNote" Revision="1" Stencil="System.Storyboarding.Annotation" StencilVersion="0.1"/>
+  <Id Name="System.Storyboarding.Annotation.AnimatedRectangleCallout" Revision="1" Stencil="System.Storyboarding.Annotation" StencilVersion="0.1"/>
 </Control>
 </file>
 
 <file path=customXml/item6.xml><?xml version="1.0" encoding="utf-8"?>
 <Control xmlns="http://schemas.microsoft.com/VisualStudio/2011/storyboarding/control">
-  <Id Name="System.Storyboarding.Common.DragSelection" Revision="1" Stencil="System.Storyboarding.Common" StencilVersion="0.1"/>
+  <Id Name="System.Storyboarding.WindowsApps.WindowsAppsListBox" Revision="1" Stencil="System.Storyboarding.WindowsApps" StencilVersion="0.1"/>
 </Control>
 </file>
 
 <file path=customXml/item7.xml><?xml version="1.0" encoding="utf-8"?>
-<Control xmlns="http://schemas.microsoft.com/VisualStudio/2011/storyboarding/control">
-  <Id Name="5e505f8e-b0aa-429a-bb4c-92ab0e8a8ee6" RevisionId="d2083f08-ba4f-4330-87aa-e4d23a4443d7" Stencil="172d6d98-e5c9-42e9-a209-79f7a94bbd38" StencilRevisionId="00000000-0000-0000-0000-000000000000" StencilVersion="0.0"/>
-</Control>
-</file>
-
-<file path=customXml/item8.xml><?xml version="1.0" encoding="utf-8"?>
 <p:properties xmlns:p="http://schemas.microsoft.com/office/2006/metadata/properties" xmlns:xsi="http://www.w3.org/2001/XMLSchema-instance" xmlns:pc="http://schemas.microsoft.com/office/infopath/2007/PartnerControls">
   <documentManagement>
     <_dlc_DocId xmlns="b4ebf394-daf6-497a-96c5-a2f8c10b38cf">TT6HZDVJM2HV-178-321</_dlc_DocId>
@@ -16227,9 +14450,15 @@
 </p:properties>
 </file>
 
+<file path=customXml/item8.xml><?xml version="1.0" encoding="utf-8"?>
+<Control xmlns="http://schemas.microsoft.com/VisualStudio/2011/storyboarding/control">
+  <Id Name="System.Storyboarding.Annotation.AnimatedRectangleCallout" Revision="1" Stencil="System.Storyboarding.Annotation" StencilVersion="0.1"/>
+</Control>
+</file>
+
 <file path=customXml/item9.xml><?xml version="1.0" encoding="utf-8"?>
 <Control xmlns="http://schemas.microsoft.com/VisualStudio/2011/storyboarding/control">
-  <Id Name="System.Storyboarding.WindowsApps.WindowsAppsListBox" Revision="1" Stencil="System.Storyboarding.WindowsApps" StencilVersion="0.1"/>
+  <Id Name="5e505f8e-b0aa-429a-bb4c-92ab0e8a8ee6" RevisionId="d2083f08-ba4f-4330-87aa-e4d23a4443d7" Stencil="172d6d98-e5c9-42e9-a209-79f7a94bbd38" StencilRevisionId="00000000-0000-0000-0000-000000000000" StencilVersion="0.0"/>
 </Control>
 </file>
 
@@ -16242,6 +14471,30 @@
 </file>
 
 <file path=customXml/itemProps10.xml><?xml version="1.0" encoding="utf-8"?>
+<ds:datastoreItem xmlns:ds="http://schemas.openxmlformats.org/officeDocument/2006/customXml" ds:itemID="{195C3A57-25C5-4CAC-A396-8711CE839175}">
+  <ds:schemaRefs>
+    <ds:schemaRef ds:uri="http://schemas.microsoft.com/VisualStudio/2011/storyboarding/control"/>
+  </ds:schemaRefs>
+</ds:datastoreItem>
+</file>
+
+<file path=customXml/itemProps2.xml><?xml version="1.0" encoding="utf-8"?>
+<ds:datastoreItem xmlns:ds="http://schemas.openxmlformats.org/officeDocument/2006/customXml" ds:itemID="{74F50758-6994-47AF-ADB4-84074E43B95D}">
+  <ds:schemaRefs>
+    <ds:schemaRef ds:uri="http://schemas.microsoft.com/VisualStudio/2011/storyboarding/control"/>
+  </ds:schemaRefs>
+</ds:datastoreItem>
+</file>
+
+<file path=customXml/itemProps3.xml><?xml version="1.0" encoding="utf-8"?>
+<ds:datastoreItem xmlns:ds="http://schemas.openxmlformats.org/officeDocument/2006/customXml" ds:itemID="{35CD12A2-2187-402A-B9D9-EF68624DB0B9}">
+  <ds:schemaRefs>
+    <ds:schemaRef ds:uri="http://schemas.microsoft.com/VisualStudio/2011/storyboarding/control"/>
+  </ds:schemaRefs>
+</ds:datastoreItem>
+</file>
+
+<file path=customXml/itemProps4.xml><?xml version="1.0" encoding="utf-8"?>
 <ds:datastoreItem xmlns:ds="http://schemas.openxmlformats.org/officeDocument/2006/customXml" ds:itemID="{C83C598A-8CB1-49BE-A132-CFCF837BD013}">
   <ds:schemaRefs>
     <ds:schemaRef ds:uri="http://schemas.microsoft.com/VisualStudio/2011/storyboarding/control"/>
@@ -16249,23 +14502,7 @@
 </ds:datastoreItem>
 </file>
 
-<file path=customXml/itemProps2.xml><?xml version="1.0" encoding="utf-8"?>
-<ds:datastoreItem xmlns:ds="http://schemas.openxmlformats.org/officeDocument/2006/customXml" ds:itemID="{195C3A57-25C5-4CAC-A396-8711CE839175}">
-  <ds:schemaRefs>
-    <ds:schemaRef ds:uri="http://schemas.microsoft.com/VisualStudio/2011/storyboarding/control"/>
-  </ds:schemaRefs>
-</ds:datastoreItem>
-</file>
-
-<file path=customXml/itemProps3.xml><?xml version="1.0" encoding="utf-8"?>
-<ds:datastoreItem xmlns:ds="http://schemas.openxmlformats.org/officeDocument/2006/customXml" ds:itemID="{CA6A3AB6-96E7-4ABC-8918-ED68F1C725EB}">
-  <ds:schemaRefs>
-    <ds:schemaRef ds:uri="http://schemas.microsoft.com/VisualStudio/2011/storyboarding/control"/>
-  </ds:schemaRefs>
-</ds:datastoreItem>
-</file>
-
-<file path=customXml/itemProps4.xml><?xml version="1.0" encoding="utf-8"?>
+<file path=customXml/itemProps5.xml><?xml version="1.0" encoding="utf-8"?>
 <ds:datastoreItem xmlns:ds="http://schemas.openxmlformats.org/officeDocument/2006/customXml" ds:itemID="{FCD53CC9-5FFA-4C9E-8E24-CEA10B937DF2}">
   <ds:schemaRefs>
     <ds:schemaRef ds:uri="http://schemas.microsoft.com/VisualStudio/2011/storyboarding/control"/>
@@ -16273,16 +14510,8 @@
 </ds:datastoreItem>
 </file>
 
-<file path=customXml/itemProps5.xml><?xml version="1.0" encoding="utf-8"?>
-<ds:datastoreItem xmlns:ds="http://schemas.openxmlformats.org/officeDocument/2006/customXml" ds:itemID="{35CD12A2-2187-402A-B9D9-EF68624DB0B9}">
-  <ds:schemaRefs>
-    <ds:schemaRef ds:uri="http://schemas.microsoft.com/VisualStudio/2011/storyboarding/control"/>
-  </ds:schemaRefs>
-</ds:datastoreItem>
-</file>
-
 <file path=customXml/itemProps6.xml><?xml version="1.0" encoding="utf-8"?>
-<ds:datastoreItem xmlns:ds="http://schemas.openxmlformats.org/officeDocument/2006/customXml" ds:itemID="{74F50758-6994-47AF-ADB4-84074E43B95D}">
+<ds:datastoreItem xmlns:ds="http://schemas.openxmlformats.org/officeDocument/2006/customXml" ds:itemID="{925928FA-66B2-4992-9AF7-6AAB34665E06}">
   <ds:schemaRefs>
     <ds:schemaRef ds:uri="http://schemas.microsoft.com/VisualStudio/2011/storyboarding/control"/>
   </ds:schemaRefs>
@@ -16290,14 +14519,6 @@
 </file>
 
 <file path=customXml/itemProps7.xml><?xml version="1.0" encoding="utf-8"?>
-<ds:datastoreItem xmlns:ds="http://schemas.openxmlformats.org/officeDocument/2006/customXml" ds:itemID="{22271091-DDCE-44B5-B608-BB96BCA0C299}">
-  <ds:schemaRefs>
-    <ds:schemaRef ds:uri="http://schemas.microsoft.com/VisualStudio/2011/storyboarding/control"/>
-  </ds:schemaRefs>
-</ds:datastoreItem>
-</file>
-
-<file path=customXml/itemProps8.xml><?xml version="1.0" encoding="utf-8"?>
 <ds:datastoreItem xmlns:ds="http://schemas.openxmlformats.org/officeDocument/2006/customXml" ds:itemID="{1322E1B6-B69B-4B1E-9F64-FFB1E4A65691}">
   <ds:schemaRefs>
     <ds:schemaRef ds:uri="http://schemas.microsoft.com/office/2006/metadata/properties"/>
@@ -16307,8 +14528,16 @@
 </ds:datastoreItem>
 </file>
 
+<file path=customXml/itemProps8.xml><?xml version="1.0" encoding="utf-8"?>
+<ds:datastoreItem xmlns:ds="http://schemas.openxmlformats.org/officeDocument/2006/customXml" ds:itemID="{CA6A3AB6-96E7-4ABC-8918-ED68F1C725EB}">
+  <ds:schemaRefs>
+    <ds:schemaRef ds:uri="http://schemas.microsoft.com/VisualStudio/2011/storyboarding/control"/>
+  </ds:schemaRefs>
+</ds:datastoreItem>
+</file>
+
 <file path=customXml/itemProps9.xml><?xml version="1.0" encoding="utf-8"?>
-<ds:datastoreItem xmlns:ds="http://schemas.openxmlformats.org/officeDocument/2006/customXml" ds:itemID="{925928FA-66B2-4992-9AF7-6AAB34665E06}">
+<ds:datastoreItem xmlns:ds="http://schemas.openxmlformats.org/officeDocument/2006/customXml" ds:itemID="{22271091-DDCE-44B5-B608-BB96BCA0C299}">
   <ds:schemaRefs>
     <ds:schemaRef ds:uri="http://schemas.microsoft.com/VisualStudio/2011/storyboarding/control"/>
   </ds:schemaRefs>
